--- a/docs/images/logo.pptx
+++ b/docs/images/logo.pptx
@@ -107,7 +107,49 @@
       </a:defRPr>
     </a:lvl9pPr>
   </p:defaultTextStyle>
+  <p:extLst>
+    <p:ext uri="{EFAFB233-063F-42B5-8137-9DF3F51BA10A}">
+      <p15:sldGuideLst xmlns:p15="http://schemas.microsoft.com/office/powerpoint/2012/main"/>
+    </p:ext>
+  </p:extLst>
 </p:presentation>
+</file>
+
+<file path=ppt/changesInfos/changesInfo1.xml><?xml version="1.0" encoding="utf-8"?>
+<pc:chgInfo xmlns:a="http://schemas.openxmlformats.org/drawingml/2006/main" xmlns:r="http://schemas.openxmlformats.org/officeDocument/2006/relationships" xmlns:ac="http://schemas.microsoft.com/office/drawing/2013/main/command" xmlns:pc="http://schemas.microsoft.com/office/powerpoint/2013/main/command">
+  <pc:docChgLst>
+    <pc:chgData name="Edoardo Giuili" userId="7281f4df-3a81-4914-bca5-40c1f15b718d" providerId="ADAL" clId="{BC0A3834-8A4A-0944-B2E7-D56D2652829A}"/>
+    <pc:docChg chg="undo custSel modSld">
+      <pc:chgData name="Edoardo Giuili" userId="7281f4df-3a81-4914-bca5-40c1f15b718d" providerId="ADAL" clId="{BC0A3834-8A4A-0944-B2E7-D56D2652829A}" dt="2024-11-06T14:43:32.898" v="174" actId="207"/>
+      <pc:docMkLst>
+        <pc:docMk/>
+      </pc:docMkLst>
+      <pc:sldChg chg="modSp mod">
+        <pc:chgData name="Edoardo Giuili" userId="7281f4df-3a81-4914-bca5-40c1f15b718d" providerId="ADAL" clId="{BC0A3834-8A4A-0944-B2E7-D56D2652829A}" dt="2024-11-06T14:43:32.898" v="174" actId="207"/>
+        <pc:sldMkLst>
+          <pc:docMk/>
+          <pc:sldMk cId="1608165086" sldId="256"/>
+        </pc:sldMkLst>
+        <pc:spChg chg="mod">
+          <ac:chgData name="Edoardo Giuili" userId="7281f4df-3a81-4914-bca5-40c1f15b718d" providerId="ADAL" clId="{BC0A3834-8A4A-0944-B2E7-D56D2652829A}" dt="2024-11-06T14:43:32.898" v="174" actId="207"/>
+          <ac:spMkLst>
+            <pc:docMk/>
+            <pc:sldMk cId="1608165086" sldId="256"/>
+            <ac:spMk id="8" creationId="{71F9D064-5CD5-4C97-1214-A4596599D2EB}"/>
+          </ac:spMkLst>
+        </pc:spChg>
+        <pc:picChg chg="mod">
+          <ac:chgData name="Edoardo Giuili" userId="7281f4df-3a81-4914-bca5-40c1f15b718d" providerId="ADAL" clId="{BC0A3834-8A4A-0944-B2E7-D56D2652829A}" dt="2024-11-06T14:43:22.603" v="172" actId="1036"/>
+          <ac:picMkLst>
+            <pc:docMk/>
+            <pc:sldMk cId="1608165086" sldId="256"/>
+            <ac:picMk id="7" creationId="{0D28DE7B-1281-E7CF-EA38-3796C051050D}"/>
+          </ac:picMkLst>
+        </pc:picChg>
+      </pc:sldChg>
+    </pc:docChg>
+  </pc:docChgLst>
+</pc:chgInfo>
 </file>
 
 <file path=ppt/notesMasters/notesMaster1.xml><?xml version="1.0" encoding="utf-8"?>
@@ -192,7 +234,7 @@
           <a:p>
             <a:fld id="{0BCBA209-1EA1-E948-BB76-B5D4DD2F43E9}" type="datetimeFigureOut">
               <a:rPr lang="en-BE" smtClean="0"/>
-              <a:t>20/06/2024</a:t>
+              <a:t>06/11/2024</a:t>
             </a:fld>
             <a:endParaRPr lang="en-BE"/>
           </a:p>
@@ -693,7 +735,7 @@
           <a:p>
             <a:fld id="{C3FB4C4B-0108-5E47-9F0F-75F84DCC7E8E}" type="datetimeFigureOut">
               <a:rPr lang="en-BE" smtClean="0"/>
-              <a:t>20/06/2024</a:t>
+              <a:t>06/11/2024</a:t>
             </a:fld>
             <a:endParaRPr lang="en-BE"/>
           </a:p>
@@ -893,7 +935,7 @@
           <a:p>
             <a:fld id="{C3FB4C4B-0108-5E47-9F0F-75F84DCC7E8E}" type="datetimeFigureOut">
               <a:rPr lang="en-BE" smtClean="0"/>
-              <a:t>20/06/2024</a:t>
+              <a:t>06/11/2024</a:t>
             </a:fld>
             <a:endParaRPr lang="en-BE"/>
           </a:p>
@@ -1103,7 +1145,7 @@
           <a:p>
             <a:fld id="{C3FB4C4B-0108-5E47-9F0F-75F84DCC7E8E}" type="datetimeFigureOut">
               <a:rPr lang="en-BE" smtClean="0"/>
-              <a:t>20/06/2024</a:t>
+              <a:t>06/11/2024</a:t>
             </a:fld>
             <a:endParaRPr lang="en-BE"/>
           </a:p>
@@ -1303,7 +1345,7 @@
           <a:p>
             <a:fld id="{C3FB4C4B-0108-5E47-9F0F-75F84DCC7E8E}" type="datetimeFigureOut">
               <a:rPr lang="en-BE" smtClean="0"/>
-              <a:t>20/06/2024</a:t>
+              <a:t>06/11/2024</a:t>
             </a:fld>
             <a:endParaRPr lang="en-BE"/>
           </a:p>
@@ -1579,7 +1621,7 @@
           <a:p>
             <a:fld id="{C3FB4C4B-0108-5E47-9F0F-75F84DCC7E8E}" type="datetimeFigureOut">
               <a:rPr lang="en-BE" smtClean="0"/>
-              <a:t>20/06/2024</a:t>
+              <a:t>06/11/2024</a:t>
             </a:fld>
             <a:endParaRPr lang="en-BE"/>
           </a:p>
@@ -1847,7 +1889,7 @@
           <a:p>
             <a:fld id="{C3FB4C4B-0108-5E47-9F0F-75F84DCC7E8E}" type="datetimeFigureOut">
               <a:rPr lang="en-BE" smtClean="0"/>
-              <a:t>20/06/2024</a:t>
+              <a:t>06/11/2024</a:t>
             </a:fld>
             <a:endParaRPr lang="en-BE"/>
           </a:p>
@@ -2262,7 +2304,7 @@
           <a:p>
             <a:fld id="{C3FB4C4B-0108-5E47-9F0F-75F84DCC7E8E}" type="datetimeFigureOut">
               <a:rPr lang="en-BE" smtClean="0"/>
-              <a:t>20/06/2024</a:t>
+              <a:t>06/11/2024</a:t>
             </a:fld>
             <a:endParaRPr lang="en-BE"/>
           </a:p>
@@ -2404,7 +2446,7 @@
           <a:p>
             <a:fld id="{C3FB4C4B-0108-5E47-9F0F-75F84DCC7E8E}" type="datetimeFigureOut">
               <a:rPr lang="en-BE" smtClean="0"/>
-              <a:t>20/06/2024</a:t>
+              <a:t>06/11/2024</a:t>
             </a:fld>
             <a:endParaRPr lang="en-BE"/>
           </a:p>
@@ -2517,7 +2559,7 @@
           <a:p>
             <a:fld id="{C3FB4C4B-0108-5E47-9F0F-75F84DCC7E8E}" type="datetimeFigureOut">
               <a:rPr lang="en-BE" smtClean="0"/>
-              <a:t>20/06/2024</a:t>
+              <a:t>06/11/2024</a:t>
             </a:fld>
             <a:endParaRPr lang="en-BE"/>
           </a:p>
@@ -2830,7 +2872,7 @@
           <a:p>
             <a:fld id="{C3FB4C4B-0108-5E47-9F0F-75F84DCC7E8E}" type="datetimeFigureOut">
               <a:rPr lang="en-BE" smtClean="0"/>
-              <a:t>20/06/2024</a:t>
+              <a:t>06/11/2024</a:t>
             </a:fld>
             <a:endParaRPr lang="en-BE"/>
           </a:p>
@@ -3119,7 +3161,7 @@
           <a:p>
             <a:fld id="{C3FB4C4B-0108-5E47-9F0F-75F84DCC7E8E}" type="datetimeFigureOut">
               <a:rPr lang="en-BE" smtClean="0"/>
-              <a:t>20/06/2024</a:t>
+              <a:t>06/11/2024</a:t>
             </a:fld>
             <a:endParaRPr lang="en-BE"/>
           </a:p>
@@ -3367,7 +3409,7 @@
           <a:p>
             <a:fld id="{C3FB4C4B-0108-5E47-9F0F-75F84DCC7E8E}" type="datetimeFigureOut">
               <a:rPr lang="en-BE" smtClean="0"/>
-              <a:t>20/06/2024</a:t>
+              <a:t>06/11/2024</a:t>
             </a:fld>
             <a:endParaRPr lang="en-BE"/>
           </a:p>
@@ -3814,7 +3856,7 @@
         </p:blipFill>
         <p:spPr>
           <a:xfrm>
-            <a:off x="997460" y="1024775"/>
+            <a:off x="997460" y="1214775"/>
             <a:ext cx="10197077" cy="5687818"/>
           </a:xfrm>
           <a:prstGeom prst="rect">
@@ -3836,8 +3878,8 @@
         </p:nvSpPr>
         <p:spPr>
           <a:xfrm>
-            <a:off x="318616" y="145407"/>
-            <a:ext cx="11554766" cy="1477328"/>
+            <a:off x="2416188" y="-201878"/>
+            <a:ext cx="8232084" cy="4801314"/>
           </a:xfrm>
           <a:prstGeom prst="rect">
             <a:avLst/>
@@ -3848,28 +3890,52 @@
           </a:ln>
         </p:spPr>
         <p:txBody>
-          <a:bodyPr wrap="none" lIns="91440" tIns="45720" rIns="91440" bIns="45720">
+          <a:bodyPr wrap="square" lIns="91440" tIns="45720" rIns="91440" bIns="45720">
             <a:spAutoFit/>
           </a:bodyPr>
           <a:lstStyle/>
           <a:p>
-            <a:pPr algn="ctr"/>
-            <a:r>
-              <a:rPr lang="en-BE" sz="9000" b="1" cap="none" spc="0" dirty="0">
-                <a:ln w="22225">
-                  <a:solidFill>
-                    <a:schemeClr val="accent2"/>
-                  </a:solidFill>
-                  <a:prstDash val="solid"/>
-                </a:ln>
+            <a:pPr rtl="0"/>
+            <a:r>
+              <a:rPr lang="en-GB" sz="12000" b="1" i="0" u="none" strike="noStrike" dirty="0" err="1">
                 <a:solidFill>
-                  <a:schemeClr val="accent2"/>
+                  <a:schemeClr val="bg1"/>
                 </a:solidFill>
                 <a:effectLst/>
-                <a:latin typeface="Corbel" panose="020B0503020204020204" pitchFamily="34" charset="0"/>
+                <a:latin typeface="Maven Pro"/>
               </a:rPr>
-              <a:t>DNAmDeconv Pipeline</a:t>
-            </a:r>
+              <a:t>Deco</a:t>
+            </a:r>
+            <a:r>
+              <a:rPr lang="en-GB" sz="12000" b="1" i="0" u="none" strike="noStrike" dirty="0" err="1">
+                <a:solidFill>
+                  <a:srgbClr val="24B064"/>
+                </a:solidFill>
+                <a:effectLst/>
+                <a:latin typeface="Maven Pro"/>
+              </a:rPr>
+              <a:t>NF</a:t>
+            </a:r>
+            <a:r>
+              <a:rPr lang="en-GB" sz="12000" b="1" dirty="0" err="1">
+                <a:solidFill>
+                  <a:schemeClr val="bg1"/>
+                </a:solidFill>
+                <a:latin typeface="Maven Pro"/>
+              </a:rPr>
+              <a:t>low</a:t>
+            </a:r>
+            <a:endParaRPr lang="en-GB" sz="12000" b="0" dirty="0">
+              <a:solidFill>
+                <a:schemeClr val="bg1"/>
+              </a:solidFill>
+              <a:effectLst/>
+            </a:endParaRPr>
+          </a:p>
+          <a:p>
+            <a:br>
+              <a:rPr lang="en-GB" sz="9600" dirty="0"/>
+            </a:br>
             <a:endParaRPr lang="en-BE" sz="9000" b="1" cap="none" spc="0" dirty="0">
               <a:ln w="22225">
                 <a:solidFill>
